--- a/popularity_algo.pptx
+++ b/popularity_algo.pptx
@@ -249,7 +249,7 @@
           <a:p>
             <a:fld id="{7A3836D0-94D9-44F4-A8A0-B0C2B5714B88}" type="datetimeFigureOut">
               <a:rPr lang="en-CA" smtClean="0"/>
-              <a:t>2024-11-04</a:t>
+              <a:t>2025-01-11</a:t>
             </a:fld>
             <a:endParaRPr lang="en-CA"/>
           </a:p>
@@ -419,7 +419,7 @@
           <a:p>
             <a:fld id="{7A3836D0-94D9-44F4-A8A0-B0C2B5714B88}" type="datetimeFigureOut">
               <a:rPr lang="en-CA" smtClean="0"/>
-              <a:t>2024-11-04</a:t>
+              <a:t>2025-01-11</a:t>
             </a:fld>
             <a:endParaRPr lang="en-CA"/>
           </a:p>
@@ -599,7 +599,7 @@
           <a:p>
             <a:fld id="{7A3836D0-94D9-44F4-A8A0-B0C2B5714B88}" type="datetimeFigureOut">
               <a:rPr lang="en-CA" smtClean="0"/>
-              <a:t>2024-11-04</a:t>
+              <a:t>2025-01-11</a:t>
             </a:fld>
             <a:endParaRPr lang="en-CA"/>
           </a:p>
@@ -769,7 +769,7 @@
           <a:p>
             <a:fld id="{7A3836D0-94D9-44F4-A8A0-B0C2B5714B88}" type="datetimeFigureOut">
               <a:rPr lang="en-CA" smtClean="0"/>
-              <a:t>2024-11-04</a:t>
+              <a:t>2025-01-11</a:t>
             </a:fld>
             <a:endParaRPr lang="en-CA"/>
           </a:p>
@@ -1015,7 +1015,7 @@
           <a:p>
             <a:fld id="{7A3836D0-94D9-44F4-A8A0-B0C2B5714B88}" type="datetimeFigureOut">
               <a:rPr lang="en-CA" smtClean="0"/>
-              <a:t>2024-11-04</a:t>
+              <a:t>2025-01-11</a:t>
             </a:fld>
             <a:endParaRPr lang="en-CA"/>
           </a:p>
@@ -1247,7 +1247,7 @@
           <a:p>
             <a:fld id="{7A3836D0-94D9-44F4-A8A0-B0C2B5714B88}" type="datetimeFigureOut">
               <a:rPr lang="en-CA" smtClean="0"/>
-              <a:t>2024-11-04</a:t>
+              <a:t>2025-01-11</a:t>
             </a:fld>
             <a:endParaRPr lang="en-CA"/>
           </a:p>
@@ -1614,7 +1614,7 @@
           <a:p>
             <a:fld id="{7A3836D0-94D9-44F4-A8A0-B0C2B5714B88}" type="datetimeFigureOut">
               <a:rPr lang="en-CA" smtClean="0"/>
-              <a:t>2024-11-04</a:t>
+              <a:t>2025-01-11</a:t>
             </a:fld>
             <a:endParaRPr lang="en-CA"/>
           </a:p>
@@ -1732,7 +1732,7 @@
           <a:p>
             <a:fld id="{7A3836D0-94D9-44F4-A8A0-B0C2B5714B88}" type="datetimeFigureOut">
               <a:rPr lang="en-CA" smtClean="0"/>
-              <a:t>2024-11-04</a:t>
+              <a:t>2025-01-11</a:t>
             </a:fld>
             <a:endParaRPr lang="en-CA"/>
           </a:p>
@@ -1827,7 +1827,7 @@
           <a:p>
             <a:fld id="{7A3836D0-94D9-44F4-A8A0-B0C2B5714B88}" type="datetimeFigureOut">
               <a:rPr lang="en-CA" smtClean="0"/>
-              <a:t>2024-11-04</a:t>
+              <a:t>2025-01-11</a:t>
             </a:fld>
             <a:endParaRPr lang="en-CA"/>
           </a:p>
@@ -2104,7 +2104,7 @@
           <a:p>
             <a:fld id="{7A3836D0-94D9-44F4-A8A0-B0C2B5714B88}" type="datetimeFigureOut">
               <a:rPr lang="en-CA" smtClean="0"/>
-              <a:t>2024-11-04</a:t>
+              <a:t>2025-01-11</a:t>
             </a:fld>
             <a:endParaRPr lang="en-CA"/>
           </a:p>
@@ -2357,7 +2357,7 @@
           <a:p>
             <a:fld id="{7A3836D0-94D9-44F4-A8A0-B0C2B5714B88}" type="datetimeFigureOut">
               <a:rPr lang="en-CA" smtClean="0"/>
-              <a:t>2024-11-04</a:t>
+              <a:t>2025-01-11</a:t>
             </a:fld>
             <a:endParaRPr lang="en-CA"/>
           </a:p>
@@ -2570,7 +2570,7 @@
           <a:p>
             <a:fld id="{7A3836D0-94D9-44F4-A8A0-B0C2B5714B88}" type="datetimeFigureOut">
               <a:rPr lang="en-CA" smtClean="0"/>
-              <a:t>2024-11-04</a:t>
+              <a:t>2025-01-11</a:t>
             </a:fld>
             <a:endParaRPr lang="en-CA"/>
           </a:p>
@@ -7067,26 +7067,42 @@
           <a:p>
             <a:r>
               <a:rPr lang="en-US" dirty="0" smtClean="0"/>
-              <a:t>1-5 </a:t>
-            </a:r>
+              <a:t>1-5 A </a:t>
+            </a:r>
+            <a:endParaRPr lang="en-US" dirty="0" smtClean="0"/>
           </a:p>
           <a:p>
             <a:r>
               <a:rPr lang="en-US" dirty="0" smtClean="0"/>
               <a:t>6-10 </a:t>
             </a:r>
+            <a:r>
+              <a:rPr lang="en-US" dirty="0" smtClean="0"/>
+              <a:t> B</a:t>
+            </a:r>
+            <a:endParaRPr lang="en-US" dirty="0" smtClean="0"/>
           </a:p>
           <a:p>
             <a:r>
               <a:rPr lang="en-US" dirty="0" smtClean="0"/>
               <a:t>11-15 </a:t>
             </a:r>
+            <a:r>
+              <a:rPr lang="en-US" dirty="0" smtClean="0"/>
+              <a:t> C</a:t>
+            </a:r>
+            <a:endParaRPr lang="en-US" dirty="0" smtClean="0"/>
           </a:p>
           <a:p>
             <a:r>
               <a:rPr lang="en-US" dirty="0" smtClean="0"/>
               <a:t>16-20 </a:t>
             </a:r>
+            <a:r>
+              <a:rPr lang="en-US" dirty="0" smtClean="0"/>
+              <a:t> D</a:t>
+            </a:r>
+            <a:endParaRPr lang="en-US" dirty="0" smtClean="0"/>
           </a:p>
         </p:txBody>
       </p:sp>
@@ -7180,15 +7196,7 @@
           <a:p>
             <a:r>
               <a:rPr lang="en-US" dirty="0" smtClean="0"/>
-              <a:t>Zoom1(big) (multiplier=1000)  </a:t>
-            </a:r>
-            <a:r>
-              <a:rPr lang="en-US" dirty="0" smtClean="0"/>
-              <a:t>A x zoom1 </a:t>
-            </a:r>
-            <a:r>
-              <a:rPr lang="en-US" dirty="0" smtClean="0"/>
-              <a:t>= 4x20 =80(score)</a:t>
+              <a:t>Zoom1(big) (multiplier=1000)  A x zoom1 = 4x20 =80(score)</a:t>
             </a:r>
           </a:p>
           <a:p>
@@ -7643,7 +7651,7 @@
         <p:spPr>
           <a:xfrm>
             <a:off x="3048000" y="612845"/>
-            <a:ext cx="6096000" cy="5632311"/>
+            <a:ext cx="6096000" cy="3970318"/>
           </a:xfrm>
           <a:prstGeom prst="rect">
             <a:avLst/>
@@ -7657,8 +7665,29 @@
           <a:p>
             <a:r>
               <a:rPr lang="en-CA" dirty="0"/>
-              <a:t>rankPreferenceThe type of ranking to use. If this parameter is omitted, results are ranked by popularity. May be one of the following:POPULARITY (default) Sorts results based on their popularity.DISTANCE Sorts results in ascending order by their distance from the specified location.https://developers.google.com/maps/documentation/places/web-service/nearby-search#rankpreferencepopularity per 20 items, which allows for popularty class (A,B,C,D)First we do local popularity of that area and then in the local popularity the popularity will be based on how many records are returned and so if there are 20 records then the first five records will be popularity a while the second 5B and the third 5C and then the last 5D however if there is less than 20 so for example 7 then the first 25% will be a and so onAfter that we will increase the radius to split the city into eight quadrants and we will do the test again with greater radius and field of coverage and we will again apply that the 25% classification and now we will do it one last time for the entire city and do the classification again we will then multiply up all the classifications and produce a final result</a:t>
-            </a:r>
+              <a:t>rankPreferenceThe type of ranking to use. If this parameter is omitted, results are ranked by popularity. May be one of the following:POPULARITY (default) Sorts results based on their popularity.DISTANCE Sorts results in ascending order by their distance from the specified location.https://developers.google.com/maps/documentation/places/web-service/nearby-search#rankpreferencepopularity per 20 items, which allows for popularty class (A,B,C,D)First we do local popularity of that area and then in the local popularity the popularity will be based on how many records are returned and so if there are 20 records then the first five records will be popularity </a:t>
+            </a:r>
+            <a:r>
+              <a:rPr lang="en-CA" dirty="0" smtClean="0"/>
+              <a:t>A </a:t>
+            </a:r>
+            <a:r>
+              <a:rPr lang="en-CA" dirty="0"/>
+              <a:t>while the second 5B and the third 5C and then the last 5D however if there is less than 20 so for example 7 then the first 25% will be </a:t>
+            </a:r>
+            <a:r>
+              <a:rPr lang="en-CA" dirty="0" smtClean="0"/>
+              <a:t>A </a:t>
+            </a:r>
+            <a:r>
+              <a:rPr lang="en-CA" dirty="0"/>
+              <a:t>and so </a:t>
+            </a:r>
+            <a:r>
+              <a:rPr lang="en-CA" dirty="0" smtClean="0"/>
+              <a:t>on. </a:t>
+            </a:r>
+            <a:endParaRPr lang="en-CA" dirty="0"/>
           </a:p>
         </p:txBody>
       </p:sp>
